--- a/Promo.pptx
+++ b/Promo.pptx
@@ -1,6 +1,6 @@
 
 <file path=ppt/presentation.xml><?xml version="1.0" encoding="utf-8"?>
-<p:presentation xmlns:a="http://schemas.openxmlformats.org/drawingml/2006/main" xmlns:r="http://schemas.openxmlformats.org/officeDocument/2006/relationships" xmlns:p="http://schemas.openxmlformats.org/presentationml/2006/main" saveSubsetFonts="1">
+<p:presentation xmlns:a="http://schemas.openxmlformats.org/drawingml/2006/main" xmlns:r="http://schemas.openxmlformats.org/officeDocument/2006/relationships" xmlns:p="http://schemas.openxmlformats.org/presentationml/2006/main" embedTrueTypeFonts="1" saveSubsetFonts="1">
   <p:sldMasterIdLst>
     <p:sldMasterId id="2147483648" r:id="rId1"/>
   </p:sldMasterIdLst>
@@ -12,6 +12,22 @@
   </p:sldIdLst>
   <p:sldSz cx="12192000" cy="6858000"/>
   <p:notesSz cx="6858000" cy="9144000"/>
+  <p:embeddedFontLst>
+    <p:embeddedFont>
+      <p:font typeface="Bahnschrift SemiBold Condensed" panose="020B0502040204020203" pitchFamily="34" charset="0"/>
+      <p:bold r:id="rId6"/>
+    </p:embeddedFont>
+    <p:embeddedFont>
+      <p:font typeface="Microsoft YaHei" panose="020B0503020204020204" pitchFamily="34" charset="-122"/>
+      <p:regular r:id="rId7"/>
+      <p:bold r:id="rId8"/>
+    </p:embeddedFont>
+    <p:embeddedFont>
+      <p:font typeface="Swis721 BlkCn BT" panose="020B0806030502040204" pitchFamily="34" charset="0"/>
+      <p:regular r:id="rId9"/>
+      <p:italic r:id="rId10"/>
+    </p:embeddedFont>
+  </p:embeddedFontLst>
   <p:defaultTextStyle>
     <a:defPPr>
       <a:defRPr lang="en-US"/>
@@ -107,6 +123,11 @@
       </a:defRPr>
     </a:lvl9pPr>
   </p:defaultTextStyle>
+  <p:extLst>
+    <p:ext uri="{EFAFB233-063F-42B5-8137-9DF3F51BA10A}">
+      <p15:sldGuideLst xmlns:p15="http://schemas.microsoft.com/office/powerpoint/2012/main"/>
+    </p:ext>
+  </p:extLst>
 </p:presentation>
 </file>
 
@@ -3783,11 +3804,11 @@
   <p:clrMapOvr>
     <a:masterClrMapping/>
   </p:clrMapOvr>
-  <mc:AlternateContent xmlns:mc="http://schemas.openxmlformats.org/markup-compatibility/2006">
-    <mc:Choice xmlns:p14="http://schemas.microsoft.com/office/powerpoint/2010/main" Requires="p14">
+  <mc:AlternateContent xmlns:mc="http://schemas.openxmlformats.org/markup-compatibility/2006" xmlns:p14="http://schemas.microsoft.com/office/powerpoint/2010/main">
+    <mc:Choice Requires="p14">
       <p:transition spd="slow" p14:dur="2000"/>
     </mc:Choice>
-    <mc:Fallback>
+    <mc:Fallback xmlns="">
       <p:transition spd="slow"/>
     </mc:Fallback>
   </mc:AlternateContent>

--- a/Promo.pptx
+++ b/Promo.pptx
@@ -9,23 +9,28 @@
     <p:sldId id="260" r:id="rId3"/>
     <p:sldId id="258" r:id="rId4"/>
     <p:sldId id="257" r:id="rId5"/>
+    <p:sldId id="261" r:id="rId6"/>
   </p:sldIdLst>
   <p:sldSz cx="12192000" cy="6858000"/>
   <p:notesSz cx="6858000" cy="9144000"/>
   <p:embeddedFontLst>
     <p:embeddedFont>
+      <p:font typeface="Swis721 BlkCn BT" panose="020B0806030502040204" pitchFamily="34" charset="0"/>
+      <p:regular r:id="rId7"/>
+      <p:italic r:id="rId8"/>
+    </p:embeddedFont>
+    <p:embeddedFont>
+      <p:font typeface="Bahnschrift Light Condensed" panose="020B0502040204020203" pitchFamily="34" charset="0"/>
+      <p:regular r:id="rId9"/>
+    </p:embeddedFont>
+    <p:embeddedFont>
       <p:font typeface="Bahnschrift SemiBold Condensed" panose="020B0502040204020203" pitchFamily="34" charset="0"/>
-      <p:bold r:id="rId6"/>
+      <p:bold r:id="rId10"/>
     </p:embeddedFont>
     <p:embeddedFont>
       <p:font typeface="Microsoft YaHei" panose="020B0503020204020204" pitchFamily="34" charset="-122"/>
-      <p:regular r:id="rId7"/>
-      <p:bold r:id="rId8"/>
-    </p:embeddedFont>
-    <p:embeddedFont>
-      <p:font typeface="Swis721 BlkCn BT" panose="020B0806030502040204" pitchFamily="34" charset="0"/>
-      <p:regular r:id="rId9"/>
-      <p:italic r:id="rId10"/>
+      <p:regular r:id="rId11"/>
+      <p:bold r:id="rId12"/>
     </p:embeddedFont>
   </p:embeddedFontLst>
   <p:defaultTextStyle>
@@ -262,7 +267,7 @@
           <a:p>
             <a:fld id="{2D3FE6D7-36E9-46FF-9121-27DF02168847}" type="datetimeFigureOut">
               <a:rPr lang="en-US" smtClean="0"/>
-              <a:t>3/1/2020</a:t>
+              <a:t>3/2/2020</a:t>
             </a:fld>
             <a:endParaRPr lang="en-US"/>
           </a:p>
@@ -432,7 +437,7 @@
           <a:p>
             <a:fld id="{2D3FE6D7-36E9-46FF-9121-27DF02168847}" type="datetimeFigureOut">
               <a:rPr lang="en-US" smtClean="0"/>
-              <a:t>3/1/2020</a:t>
+              <a:t>3/2/2020</a:t>
             </a:fld>
             <a:endParaRPr lang="en-US"/>
           </a:p>
@@ -612,7 +617,7 @@
           <a:p>
             <a:fld id="{2D3FE6D7-36E9-46FF-9121-27DF02168847}" type="datetimeFigureOut">
               <a:rPr lang="en-US" smtClean="0"/>
-              <a:t>3/1/2020</a:t>
+              <a:t>3/2/2020</a:t>
             </a:fld>
             <a:endParaRPr lang="en-US"/>
           </a:p>
@@ -782,7 +787,7 @@
           <a:p>
             <a:fld id="{2D3FE6D7-36E9-46FF-9121-27DF02168847}" type="datetimeFigureOut">
               <a:rPr lang="en-US" smtClean="0"/>
-              <a:t>3/1/2020</a:t>
+              <a:t>3/2/2020</a:t>
             </a:fld>
             <a:endParaRPr lang="en-US"/>
           </a:p>
@@ -1028,7 +1033,7 @@
           <a:p>
             <a:fld id="{2D3FE6D7-36E9-46FF-9121-27DF02168847}" type="datetimeFigureOut">
               <a:rPr lang="en-US" smtClean="0"/>
-              <a:t>3/1/2020</a:t>
+              <a:t>3/2/2020</a:t>
             </a:fld>
             <a:endParaRPr lang="en-US"/>
           </a:p>
@@ -1260,7 +1265,7 @@
           <a:p>
             <a:fld id="{2D3FE6D7-36E9-46FF-9121-27DF02168847}" type="datetimeFigureOut">
               <a:rPr lang="en-US" smtClean="0"/>
-              <a:t>3/1/2020</a:t>
+              <a:t>3/2/2020</a:t>
             </a:fld>
             <a:endParaRPr lang="en-US"/>
           </a:p>
@@ -1627,7 +1632,7 @@
           <a:p>
             <a:fld id="{2D3FE6D7-36E9-46FF-9121-27DF02168847}" type="datetimeFigureOut">
               <a:rPr lang="en-US" smtClean="0"/>
-              <a:t>3/1/2020</a:t>
+              <a:t>3/2/2020</a:t>
             </a:fld>
             <a:endParaRPr lang="en-US"/>
           </a:p>
@@ -1745,7 +1750,7 @@
           <a:p>
             <a:fld id="{2D3FE6D7-36E9-46FF-9121-27DF02168847}" type="datetimeFigureOut">
               <a:rPr lang="en-US" smtClean="0"/>
-              <a:t>3/1/2020</a:t>
+              <a:t>3/2/2020</a:t>
             </a:fld>
             <a:endParaRPr lang="en-US"/>
           </a:p>
@@ -1840,7 +1845,7 @@
           <a:p>
             <a:fld id="{2D3FE6D7-36E9-46FF-9121-27DF02168847}" type="datetimeFigureOut">
               <a:rPr lang="en-US" smtClean="0"/>
-              <a:t>3/1/2020</a:t>
+              <a:t>3/2/2020</a:t>
             </a:fld>
             <a:endParaRPr lang="en-US"/>
           </a:p>
@@ -2117,7 +2122,7 @@
           <a:p>
             <a:fld id="{2D3FE6D7-36E9-46FF-9121-27DF02168847}" type="datetimeFigureOut">
               <a:rPr lang="en-US" smtClean="0"/>
-              <a:t>3/1/2020</a:t>
+              <a:t>3/2/2020</a:t>
             </a:fld>
             <a:endParaRPr lang="en-US"/>
           </a:p>
@@ -2370,7 +2375,7 @@
           <a:p>
             <a:fld id="{2D3FE6D7-36E9-46FF-9121-27DF02168847}" type="datetimeFigureOut">
               <a:rPr lang="en-US" smtClean="0"/>
-              <a:t>3/1/2020</a:t>
+              <a:t>3/2/2020</a:t>
             </a:fld>
             <a:endParaRPr lang="en-US"/>
           </a:p>
@@ -2583,7 +2588,7 @@
           <a:p>
             <a:fld id="{2D3FE6D7-36E9-46FF-9121-27DF02168847}" type="datetimeFigureOut">
               <a:rPr lang="en-US" smtClean="0"/>
-              <a:t>3/1/2020</a:t>
+              <a:t>3/2/2020</a:t>
             </a:fld>
             <a:endParaRPr lang="en-US"/>
           </a:p>
@@ -3041,7 +3046,9 @@
           </a:xfrm>
         </p:spPr>
         <p:txBody>
-          <a:bodyPr/>
+          <a:bodyPr>
+            <a:normAutofit/>
+          </a:bodyPr>
           <a:lstStyle/>
           <a:p>
             <a:pPr algn="ctr"/>
@@ -3051,7 +3058,7 @@
                   <a:schemeClr val="bg1"/>
                 </a:solidFill>
               </a:rPr>
-              <a:t>ARE YOU TIRED OF </a:t>
+              <a:t>TIRED OF </a:t>
             </a:r>
             <a:r>
               <a:rPr lang="en-US" dirty="0" smtClean="0">
@@ -3059,7 +3066,7 @@
                   <a:srgbClr val="FF4F85"/>
                 </a:solidFill>
               </a:rPr>
-              <a:t>DISCOMFORT</a:t>
+              <a:t>DISCOMFORT </a:t>
             </a:r>
             <a:r>
               <a:rPr lang="en-US" dirty="0" smtClean="0">
@@ -3067,7 +3074,23 @@
                   <a:schemeClr val="bg1"/>
                 </a:solidFill>
               </a:rPr>
-              <a:t/>
+              <a:t>FROM</a:t>
+            </a:r>
+            <a:r>
+              <a:rPr lang="en-US" dirty="0">
+                <a:solidFill>
+                  <a:schemeClr val="bg1"/>
+                </a:solidFill>
+              </a:rPr>
+              <a:t> </a:t>
+            </a:r>
+            <a:r>
+              <a:rPr lang="en-US" dirty="0" smtClean="0">
+                <a:solidFill>
+                  <a:schemeClr val="bg1"/>
+                </a:solidFill>
+              </a:rPr>
+              <a:t>YOUR</a:t>
             </a:r>
             <a:br>
               <a:rPr lang="en-US" dirty="0" smtClean="0">
@@ -3082,7 +3105,7 @@
                   <a:schemeClr val="bg1"/>
                 </a:solidFill>
               </a:rPr>
-              <a:t>CAUSED BY YOUR CAMERA’S EYECUP?</a:t>
+              <a:t>CAMERA’S SHALLOW EYECUP?</a:t>
             </a:r>
             <a:endParaRPr lang="en-US" dirty="0">
               <a:solidFill>
@@ -3905,6 +3928,13 @@
         </p:nvPicPr>
         <p:blipFill>
           <a:blip r:embed="rId2">
+            <a:duotone>
+              <a:schemeClr val="accent1">
+                <a:shade val="45000"/>
+                <a:satMod val="135000"/>
+              </a:schemeClr>
+              <a:prstClr val="white"/>
+            </a:duotone>
             <a:extLst>
               <a:ext uri="{28A0092B-C50C-407E-A947-70E740481C1C}">
                 <a14:useLocalDpi xmlns:a14="http://schemas.microsoft.com/office/drawing/2010/main" val="0"/>
@@ -3917,8 +3947,8 @@
         </p:blipFill>
         <p:spPr>
           <a:xfrm rot="16816014">
-            <a:off x="3134798" y="-3274786"/>
-            <a:ext cx="8294335" cy="11331922"/>
+            <a:off x="3658874" y="-2647255"/>
+            <a:ext cx="7810450" cy="10670826"/>
           </a:xfrm>
         </p:spPr>
       </p:pic>
@@ -3929,8 +3959,8 @@
           <p:nvPr/>
         </p:nvSpPr>
         <p:spPr>
-          <a:xfrm rot="3196684">
-            <a:off x="4700901" y="3346758"/>
+          <a:xfrm rot="2556718">
+            <a:off x="4551312" y="3640421"/>
             <a:ext cx="8697452" cy="4413926"/>
           </a:xfrm>
           <a:prstGeom prst="rect">
@@ -3938,7 +3968,7 @@
           </a:prstGeom>
           <a:solidFill>
             <a:srgbClr val="FF4F85">
-              <a:alpha val="74000"/>
+              <a:alpha val="45000"/>
             </a:srgbClr>
           </a:solidFill>
           <a:ln>
@@ -4034,8 +4064,8 @@
           <p:nvPr/>
         </p:nvSpPr>
         <p:spPr>
-          <a:xfrm rot="4941095">
-            <a:off x="2725511" y="2188567"/>
+          <a:xfrm rot="4507459">
+            <a:off x="3321637" y="2116250"/>
             <a:ext cx="8697452" cy="4413926"/>
           </a:xfrm>
           <a:prstGeom prst="rect">
@@ -4043,7 +4073,7 @@
           </a:prstGeom>
           <a:solidFill>
             <a:srgbClr val="FF4F85">
-              <a:alpha val="74000"/>
+              <a:alpha val="67000"/>
             </a:srgbClr>
           </a:solidFill>
           <a:ln>
@@ -4090,7 +4120,9 @@
             <a:avLst/>
           </a:prstGeom>
           <a:solidFill>
-            <a:srgbClr val="3E4854"/>
+            <a:schemeClr val="bg1">
+              <a:lumMod val="95000"/>
+            </a:schemeClr>
           </a:solidFill>
           <a:ln>
             <a:noFill/>
@@ -4133,42 +4165,27 @@
         </p:nvSpPr>
         <p:spPr>
           <a:xfrm>
-            <a:off x="838201" y="365125"/>
-            <a:ext cx="6443765" cy="1325563"/>
+            <a:off x="891407" y="907712"/>
+            <a:ext cx="2983679" cy="1325563"/>
           </a:xfrm>
         </p:spPr>
         <p:txBody>
           <a:bodyPr anchor="t">
-            <a:normAutofit/>
+            <a:noAutofit/>
           </a:bodyPr>
           <a:lstStyle/>
           <a:p>
             <a:r>
-              <a:rPr lang="en-US" dirty="0" smtClean="0">
+              <a:rPr lang="en-US" sz="6000" dirty="0" smtClean="0">
                 <a:solidFill>
-                  <a:schemeClr val="bg1"/>
+                  <a:srgbClr val="3E4854"/>
                 </a:solidFill>
               </a:rPr>
-              <a:t>A PERSONALISED EYECUP</a:t>
-            </a:r>
-            <a:br>
-              <a:rPr lang="en-US" dirty="0" smtClean="0">
-                <a:solidFill>
-                  <a:schemeClr val="bg1"/>
-                </a:solidFill>
-              </a:rPr>
-            </a:br>
-            <a:r>
-              <a:rPr lang="en-US" dirty="0" smtClean="0">
-                <a:solidFill>
-                  <a:schemeClr val="bg1"/>
-                </a:solidFill>
-              </a:rPr>
-              <a:t>FOR OPTIMUM COMFORT</a:t>
-            </a:r>
-            <a:endParaRPr lang="en-US" dirty="0">
+              <a:t>WHAT IT IS</a:t>
+            </a:r>
+            <a:endParaRPr lang="en-US" sz="6000" dirty="0">
               <a:solidFill>
-                <a:schemeClr val="bg1"/>
+                <a:srgbClr val="3E4854"/>
               </a:solidFill>
             </a:endParaRPr>
           </a:p>
@@ -4182,7 +4199,7 @@
         </p:nvSpPr>
         <p:spPr>
           <a:xfrm>
-            <a:off x="4429124" y="7040427"/>
+            <a:off x="4910034" y="7334649"/>
             <a:ext cx="2371931" cy="369332"/>
           </a:xfrm>
           <a:prstGeom prst="rect">
@@ -4216,8 +4233,8 @@
         </p:nvSpPr>
         <p:spPr>
           <a:xfrm>
-            <a:off x="-800101" y="7178927"/>
-            <a:ext cx="5229225" cy="461665"/>
+            <a:off x="659007" y="2784572"/>
+            <a:ext cx="6509639" cy="3046988"/>
           </a:xfrm>
           <a:prstGeom prst="rect">
             <a:avLst/>
@@ -4230,32 +4247,26 @@
           </a:bodyPr>
           <a:lstStyle/>
           <a:p>
-            <a:pPr algn="r"/>
+            <a:pPr algn="just"/>
             <a:r>
               <a:rPr lang="en-US" sz="2400" dirty="0" smtClean="0">
                 <a:solidFill>
-                  <a:srgbClr val="2A2537"/>
+                  <a:srgbClr val="3E4854"/>
                 </a:solidFill>
               </a:rPr>
-              <a:t>FITS NIKON</a:t>
-            </a:r>
-            <a:r>
-              <a:rPr lang="en-US" sz="2400" dirty="0" smtClean="0">
-                <a:latin typeface="Swis721 BlkCn BT" panose="020B0806030502040204" pitchFamily="34" charset="0"/>
-              </a:rPr>
-              <a:t> DK-25</a:t>
+              <a:t>Originally designed for the </a:t>
             </a:r>
             <a:r>
               <a:rPr lang="en-US" sz="2400" dirty="0" smtClean="0">
                 <a:solidFill>
-                  <a:srgbClr val="2A2537"/>
+                  <a:srgbClr val="3E4854"/>
                 </a:solidFill>
               </a:rPr>
-              <a:t> </a:t>
+              <a:t>Nikon DK-25 eyecup mount, the eyecup extension allows you to extend the distance from your face to your camera’s screen while keeping your preferred eyecup. This extra space allows for a more comfortable shooting posture and reduces chances of an oily screen, which can make previewing photos less accurate.</a:t>
             </a:r>
             <a:endParaRPr lang="en-US" sz="2400" dirty="0">
               <a:solidFill>
-                <a:srgbClr val="2A2537"/>
+                <a:srgbClr val="3E4854"/>
               </a:solidFill>
             </a:endParaRPr>
           </a:p>
@@ -4269,7 +4280,7 @@
         </p:nvCxnSpPr>
         <p:spPr>
           <a:xfrm flipV="1">
-            <a:off x="747907" y="457200"/>
+            <a:off x="760607" y="1074435"/>
             <a:ext cx="4568" cy="1076325"/>
           </a:xfrm>
           <a:prstGeom prst="line">
@@ -4300,6 +4311,342 @@
     <p:extLst>
       <p:ext uri="{BB962C8B-B14F-4D97-AF65-F5344CB8AC3E}">
         <p14:creationId xmlns:p14="http://schemas.microsoft.com/office/powerpoint/2010/main" val="3989642537"/>
+      </p:ext>
+    </p:extLst>
+  </p:cSld>
+  <p:clrMapOvr>
+    <a:masterClrMapping/>
+  </p:clrMapOvr>
+  <p:timing>
+    <p:tnLst>
+      <p:par>
+        <p:cTn id="1" dur="indefinite" restart="never" nodeType="tmRoot"/>
+      </p:par>
+    </p:tnLst>
+  </p:timing>
+</p:sld>
+</file>
+
+<file path=ppt/slides/slide5.xml><?xml version="1.0" encoding="utf-8"?>
+<p:sld xmlns:a="http://schemas.openxmlformats.org/drawingml/2006/main" xmlns:r="http://schemas.openxmlformats.org/officeDocument/2006/relationships" xmlns:p="http://schemas.openxmlformats.org/presentationml/2006/main">
+  <p:cSld>
+    <p:bg>
+      <p:bgPr>
+        <a:solidFill>
+          <a:schemeClr val="bg1">
+            <a:lumMod val="95000"/>
+          </a:schemeClr>
+        </a:solidFill>
+        <a:effectLst/>
+      </p:bgPr>
+    </p:bg>
+    <p:spTree>
+      <p:nvGrpSpPr>
+        <p:cNvPr id="1" name=""/>
+        <p:cNvGrpSpPr/>
+        <p:nvPr/>
+      </p:nvGrpSpPr>
+      <p:grpSpPr>
+        <a:xfrm>
+          <a:off x="0" y="0"/>
+          <a:ext cx="0" cy="0"/>
+          <a:chOff x="0" y="0"/>
+          <a:chExt cx="0" cy="0"/>
+        </a:xfrm>
+      </p:grpSpPr>
+      <p:sp>
+        <p:nvSpPr>
+          <p:cNvPr id="2" name="Title 1"/>
+          <p:cNvSpPr>
+            <a:spLocks noGrp="1"/>
+          </p:cNvSpPr>
+          <p:nvPr>
+            <p:ph type="title"/>
+          </p:nvPr>
+        </p:nvSpPr>
+        <p:spPr>
+          <a:xfrm>
+            <a:off x="4526126" y="3487509"/>
+            <a:ext cx="3768010" cy="801787"/>
+          </a:xfrm>
+        </p:spPr>
+        <p:txBody>
+          <a:bodyPr/>
+          <a:lstStyle/>
+          <a:p>
+            <a:pPr algn="ctr"/>
+            <a:r>
+              <a:rPr lang="en-US" dirty="0" smtClean="0"/>
+              <a:t>ANTHONY REIMCHE</a:t>
+            </a:r>
+            <a:endParaRPr lang="en-US" dirty="0"/>
+          </a:p>
+        </p:txBody>
+      </p:sp>
+      <p:sp>
+        <p:nvSpPr>
+          <p:cNvPr id="3" name="Content Placeholder 2"/>
+          <p:cNvSpPr>
+            <a:spLocks noGrp="1"/>
+          </p:cNvSpPr>
+          <p:nvPr>
+            <p:ph idx="1"/>
+          </p:nvPr>
+        </p:nvSpPr>
+        <p:spPr>
+          <a:xfrm>
+            <a:off x="1628775" y="4907902"/>
+            <a:ext cx="8934450" cy="1390358"/>
+          </a:xfrm>
+        </p:spPr>
+        <p:txBody>
+          <a:bodyPr/>
+          <a:lstStyle/>
+          <a:p>
+            <a:pPr marL="0" indent="0" algn="ctr">
+              <a:buNone/>
+            </a:pPr>
+            <a:r>
+              <a:rPr lang="en-US" dirty="0" smtClean="0">
+                <a:solidFill>
+                  <a:schemeClr val="bg1">
+                    <a:lumMod val="85000"/>
+                  </a:schemeClr>
+                </a:solidFill>
+              </a:rPr>
+              <a:t>MECHANICAL &amp; VISUAL DESIGN</a:t>
+            </a:r>
+            <a:endParaRPr lang="en-US" dirty="0">
+              <a:solidFill>
+                <a:schemeClr val="bg1">
+                  <a:lumMod val="85000"/>
+                </a:schemeClr>
+              </a:solidFill>
+            </a:endParaRPr>
+          </a:p>
+        </p:txBody>
+      </p:sp>
+      <p:grpSp>
+        <p:nvGrpSpPr>
+          <p:cNvPr id="7" name="Group 6"/>
+          <p:cNvGrpSpPr/>
+          <p:nvPr/>
+        </p:nvGrpSpPr>
+        <p:grpSpPr>
+          <a:xfrm>
+            <a:off x="5091162" y="1005454"/>
+            <a:ext cx="2185938" cy="2081161"/>
+            <a:chOff x="5091162" y="988965"/>
+            <a:chExt cx="2185938" cy="2081161"/>
+          </a:xfrm>
+        </p:grpSpPr>
+        <p:pic>
+          <p:nvPicPr>
+            <p:cNvPr id="5" name="Picture 2" descr="Image may contain: 1 person"/>
+            <p:cNvPicPr>
+              <a:picLocks noChangeAspect="1" noChangeArrowheads="1"/>
+            </p:cNvPicPr>
+            <p:nvPr/>
+          </p:nvPicPr>
+          <p:blipFill rotWithShape="1">
+            <a:blip r:embed="rId2" cstate="print">
+              <a:grayscl/>
+              <a:extLst>
+                <a:ext uri="{28A0092B-C50C-407E-A947-70E740481C1C}">
+                  <a14:useLocalDpi xmlns:a14="http://schemas.microsoft.com/office/drawing/2010/main" val="0"/>
+                </a:ext>
+              </a:extLst>
+            </a:blip>
+            <a:srcRect l="13468" t="147" r="12781" b="26102"/>
+            <a:stretch/>
+          </p:blipFill>
+          <p:spPr bwMode="auto">
+            <a:xfrm>
+              <a:off x="5091162" y="988965"/>
+              <a:ext cx="2004963" cy="2004961"/>
+            </a:xfrm>
+            <a:prstGeom prst="ellipse">
+              <a:avLst/>
+            </a:prstGeom>
+            <a:noFill/>
+            <a:extLst>
+              <a:ext uri="{909E8E84-426E-40DD-AFC4-6F175D3DCCD1}">
+                <a14:hiddenFill xmlns:a14="http://schemas.microsoft.com/office/drawing/2010/main">
+                  <a:solidFill>
+                    <a:srgbClr val="FFFFFF"/>
+                  </a:solidFill>
+                </a14:hiddenFill>
+              </a:ext>
+            </a:extLst>
+          </p:spPr>
+        </p:pic>
+        <p:sp>
+          <p:nvSpPr>
+            <p:cNvPr id="4" name="Oval 3"/>
+            <p:cNvSpPr/>
+            <p:nvPr/>
+          </p:nvSpPr>
+          <p:spPr>
+            <a:xfrm>
+              <a:off x="5091163" y="988966"/>
+              <a:ext cx="2004962" cy="2004960"/>
+            </a:xfrm>
+            <a:prstGeom prst="ellipse">
+              <a:avLst/>
+            </a:prstGeom>
+            <a:solidFill>
+              <a:srgbClr val="FF4F85">
+                <a:alpha val="21000"/>
+              </a:srgbClr>
+            </a:solidFill>
+            <a:ln>
+              <a:noFill/>
+            </a:ln>
+          </p:spPr>
+          <p:style>
+            <a:lnRef idx="2">
+              <a:schemeClr val="accent1">
+                <a:shade val="50000"/>
+              </a:schemeClr>
+            </a:lnRef>
+            <a:fillRef idx="1">
+              <a:schemeClr val="accent1"/>
+            </a:fillRef>
+            <a:effectRef idx="0">
+              <a:schemeClr val="accent1"/>
+            </a:effectRef>
+            <a:fontRef idx="minor">
+              <a:schemeClr val="lt1"/>
+            </a:fontRef>
+          </p:style>
+          <p:txBody>
+            <a:bodyPr rtlCol="0" anchor="ctr"/>
+            <a:lstStyle/>
+            <a:p>
+              <a:pPr algn="ctr"/>
+              <a:endParaRPr lang="en-US"/>
+            </a:p>
+          </p:txBody>
+        </p:sp>
+        <p:sp>
+          <p:nvSpPr>
+            <p:cNvPr id="8" name="Oval 7"/>
+            <p:cNvSpPr/>
+            <p:nvPr/>
+          </p:nvSpPr>
+          <p:spPr>
+            <a:xfrm>
+              <a:off x="5272138" y="1065166"/>
+              <a:ext cx="2004962" cy="2004960"/>
+            </a:xfrm>
+            <a:prstGeom prst="ellipse">
+              <a:avLst/>
+            </a:prstGeom>
+            <a:solidFill>
+              <a:srgbClr val="24EEF7">
+                <a:alpha val="21000"/>
+              </a:srgbClr>
+            </a:solidFill>
+            <a:ln>
+              <a:noFill/>
+            </a:ln>
+          </p:spPr>
+          <p:style>
+            <a:lnRef idx="2">
+              <a:schemeClr val="accent1">
+                <a:shade val="50000"/>
+              </a:schemeClr>
+            </a:lnRef>
+            <a:fillRef idx="1">
+              <a:schemeClr val="accent1"/>
+            </a:fillRef>
+            <a:effectRef idx="0">
+              <a:schemeClr val="accent1"/>
+            </a:effectRef>
+            <a:fontRef idx="minor">
+              <a:schemeClr val="lt1"/>
+            </a:fontRef>
+          </p:style>
+          <p:txBody>
+            <a:bodyPr rtlCol="0" anchor="ctr"/>
+            <a:lstStyle/>
+            <a:p>
+              <a:pPr algn="ctr"/>
+              <a:endParaRPr lang="en-US"/>
+            </a:p>
+          </p:txBody>
+        </p:sp>
+      </p:grpSp>
+      <p:cxnSp>
+        <p:nvCxnSpPr>
+          <p:cNvPr id="9" name="Straight Connector 8"/>
+          <p:cNvCxnSpPr/>
+          <p:nvPr/>
+        </p:nvCxnSpPr>
+        <p:spPr>
+          <a:xfrm>
+            <a:off x="5782258" y="4345282"/>
+            <a:ext cx="609211" cy="0"/>
+          </a:xfrm>
+          <a:prstGeom prst="line">
+            <a:avLst/>
+          </a:prstGeom>
+          <a:ln w="76200">
+            <a:solidFill>
+              <a:srgbClr val="FF4F85"/>
+            </a:solidFill>
+          </a:ln>
+        </p:spPr>
+        <p:style>
+          <a:lnRef idx="1">
+            <a:schemeClr val="accent1"/>
+          </a:lnRef>
+          <a:fillRef idx="0">
+            <a:schemeClr val="accent1"/>
+          </a:fillRef>
+          <a:effectRef idx="0">
+            <a:schemeClr val="accent1"/>
+          </a:effectRef>
+          <a:fontRef idx="minor">
+            <a:schemeClr val="tx1"/>
+          </a:fontRef>
+        </p:style>
+      </p:cxnSp>
+      <p:sp>
+        <p:nvSpPr>
+          <p:cNvPr id="10" name="Rectangle 9"/>
+          <p:cNvSpPr/>
+          <p:nvPr/>
+        </p:nvSpPr>
+        <p:spPr>
+          <a:xfrm>
+            <a:off x="3687100" y="3800615"/>
+            <a:ext cx="1099503" cy="369332"/>
+          </a:xfrm>
+          <a:prstGeom prst="rect">
+            <a:avLst/>
+          </a:prstGeom>
+        </p:spPr>
+        <p:txBody>
+          <a:bodyPr wrap="square">
+            <a:spAutoFit/>
+          </a:bodyPr>
+          <a:lstStyle/>
+          <a:p>
+            <a:r>
+              <a:rPr lang="en-US" dirty="0">
+                <a:latin typeface="Bahnschrift Light Condensed" panose="020B0502040204020203" pitchFamily="34" charset="0"/>
+              </a:rPr>
+              <a:t>CREATED BY </a:t>
+            </a:r>
+            <a:endParaRPr lang="en-US" dirty="0"/>
+          </a:p>
+        </p:txBody>
+      </p:sp>
+    </p:spTree>
+    <p:extLst>
+      <p:ext uri="{BB962C8B-B14F-4D97-AF65-F5344CB8AC3E}">
+        <p14:creationId xmlns:p14="http://schemas.microsoft.com/office/powerpoint/2010/main" val="4198476775"/>
       </p:ext>
     </p:extLst>
   </p:cSld>

--- a/Promo.pptx
+++ b/Promo.pptx
@@ -4234,7 +4234,7 @@
         <p:spPr>
           <a:xfrm>
             <a:off x="659007" y="2784572"/>
-            <a:ext cx="6509639" cy="3046988"/>
+            <a:ext cx="6555544" cy="2677656"/>
           </a:xfrm>
           <a:prstGeom prst="rect">
             <a:avLst/>
@@ -4254,7 +4254,7 @@
                   <a:srgbClr val="3E4854"/>
                 </a:solidFill>
               </a:rPr>
-              <a:t>Originally designed for the </a:t>
+              <a:t>Originally designed for the Nikon DK-25 eyecup mount, the eyecup extension allows you to extend the distance from your face to your camera’s screen while </a:t>
             </a:r>
             <a:r>
               <a:rPr lang="en-US" sz="2400" dirty="0" smtClean="0">
@@ -4262,7 +4262,47 @@
                   <a:srgbClr val="3E4854"/>
                 </a:solidFill>
               </a:rPr>
-              <a:t>Nikon DK-25 eyecup mount, the eyecup extension allows you to extend the distance from your face to your camera’s screen while keeping your preferred eyecup. This extra space allows for a more comfortable shooting posture and reduces chances of an oily screen, which can make previewing photos less accurate.</a:t>
+              <a:t>using </a:t>
+            </a:r>
+            <a:r>
+              <a:rPr lang="en-US" sz="2400" dirty="0" smtClean="0">
+                <a:solidFill>
+                  <a:srgbClr val="3E4854"/>
+                </a:solidFill>
+              </a:rPr>
+              <a:t>your preferred eyecup. This extra space allows for a more comfortable shooting posture and reduces chances of an oily screen, </a:t>
+            </a:r>
+            <a:r>
+              <a:rPr lang="en-US" sz="2400" dirty="0" smtClean="0">
+                <a:solidFill>
+                  <a:srgbClr val="3E4854"/>
+                </a:solidFill>
+              </a:rPr>
+              <a:t>making </a:t>
+            </a:r>
+            <a:r>
+              <a:rPr lang="en-US" sz="2400" dirty="0" smtClean="0">
+                <a:solidFill>
+                  <a:srgbClr val="3E4854"/>
+                </a:solidFill>
+              </a:rPr>
+              <a:t>previewing photos </a:t>
+            </a:r>
+            <a:r>
+              <a:rPr lang="en-US" sz="2400" dirty="0" smtClean="0">
+                <a:solidFill>
+                  <a:srgbClr val="3E4854"/>
+                </a:solidFill>
+              </a:rPr>
+              <a:t>more </a:t>
+            </a:r>
+            <a:r>
+              <a:rPr lang="en-US" sz="2400" dirty="0" smtClean="0">
+                <a:solidFill>
+                  <a:srgbClr val="3E4854"/>
+                </a:solidFill>
+              </a:rPr>
+              <a:t>accurate.</a:t>
             </a:r>
             <a:endParaRPr lang="en-US" sz="2400" dirty="0">
               <a:solidFill>

--- a/Promo.pptx
+++ b/Promo.pptx
@@ -7,30 +7,31 @@
   <p:sldIdLst>
     <p:sldId id="259" r:id="rId2"/>
     <p:sldId id="260" r:id="rId3"/>
-    <p:sldId id="258" r:id="rId4"/>
+    <p:sldId id="263" r:id="rId4"/>
     <p:sldId id="257" r:id="rId5"/>
-    <p:sldId id="261" r:id="rId6"/>
+    <p:sldId id="262" r:id="rId6"/>
+    <p:sldId id="261" r:id="rId7"/>
   </p:sldIdLst>
   <p:sldSz cx="12192000" cy="6858000"/>
   <p:notesSz cx="6858000" cy="9144000"/>
   <p:embeddedFontLst>
     <p:embeddedFont>
       <p:font typeface="Swis721 BlkCn BT" panose="020B0806030502040204" pitchFamily="34" charset="0"/>
-      <p:regular r:id="rId7"/>
-      <p:italic r:id="rId8"/>
-    </p:embeddedFont>
-    <p:embeddedFont>
-      <p:font typeface="Bahnschrift Light Condensed" panose="020B0502040204020203" pitchFamily="34" charset="0"/>
-      <p:regular r:id="rId9"/>
+      <p:regular r:id="rId8"/>
+      <p:italic r:id="rId9"/>
     </p:embeddedFont>
     <p:embeddedFont>
       <p:font typeface="Bahnschrift SemiBold Condensed" panose="020B0502040204020203" pitchFamily="34" charset="0"/>
       <p:bold r:id="rId10"/>
     </p:embeddedFont>
     <p:embeddedFont>
+      <p:font typeface="Bahnschrift Light Condensed" panose="020B0502040204020203" pitchFamily="34" charset="0"/>
+      <p:regular r:id="rId11"/>
+    </p:embeddedFont>
+    <p:embeddedFont>
       <p:font typeface="Microsoft YaHei" panose="020B0503020204020204" pitchFamily="34" charset="-122"/>
-      <p:regular r:id="rId11"/>
-      <p:bold r:id="rId12"/>
+      <p:regular r:id="rId12"/>
+      <p:bold r:id="rId13"/>
     </p:embeddedFont>
   </p:embeddedFontLst>
   <p:defaultTextStyle>
@@ -130,7 +131,18 @@
   </p:defaultTextStyle>
   <p:extLst>
     <p:ext uri="{EFAFB233-063F-42B5-8137-9DF3F51BA10A}">
-      <p15:sldGuideLst xmlns:p15="http://schemas.microsoft.com/office/powerpoint/2012/main"/>
+      <p15:sldGuideLst xmlns:p15="http://schemas.microsoft.com/office/powerpoint/2012/main">
+        <p15:guide id="1" orient="horz" pos="2160" userDrawn="1">
+          <p15:clr>
+            <a:srgbClr val="A4A3A4"/>
+          </p15:clr>
+        </p15:guide>
+        <p15:guide id="2" pos="3840" userDrawn="1">
+          <p15:clr>
+            <a:srgbClr val="A4A3A4"/>
+          </p15:clr>
+        </p15:guide>
+      </p15:sldGuideLst>
     </p:ext>
   </p:extLst>
 </p:presentation>
@@ -267,7 +279,7 @@
           <a:p>
             <a:fld id="{2D3FE6D7-36E9-46FF-9121-27DF02168847}" type="datetimeFigureOut">
               <a:rPr lang="en-US" smtClean="0"/>
-              <a:t>3/2/2020</a:t>
+              <a:t>3/7/2020</a:t>
             </a:fld>
             <a:endParaRPr lang="en-US"/>
           </a:p>
@@ -437,7 +449,7 @@
           <a:p>
             <a:fld id="{2D3FE6D7-36E9-46FF-9121-27DF02168847}" type="datetimeFigureOut">
               <a:rPr lang="en-US" smtClean="0"/>
-              <a:t>3/2/2020</a:t>
+              <a:t>3/7/2020</a:t>
             </a:fld>
             <a:endParaRPr lang="en-US"/>
           </a:p>
@@ -617,7 +629,7 @@
           <a:p>
             <a:fld id="{2D3FE6D7-36E9-46FF-9121-27DF02168847}" type="datetimeFigureOut">
               <a:rPr lang="en-US" smtClean="0"/>
-              <a:t>3/2/2020</a:t>
+              <a:t>3/7/2020</a:t>
             </a:fld>
             <a:endParaRPr lang="en-US"/>
           </a:p>
@@ -787,7 +799,7 @@
           <a:p>
             <a:fld id="{2D3FE6D7-36E9-46FF-9121-27DF02168847}" type="datetimeFigureOut">
               <a:rPr lang="en-US" smtClean="0"/>
-              <a:t>3/2/2020</a:t>
+              <a:t>3/7/2020</a:t>
             </a:fld>
             <a:endParaRPr lang="en-US"/>
           </a:p>
@@ -1033,7 +1045,7 @@
           <a:p>
             <a:fld id="{2D3FE6D7-36E9-46FF-9121-27DF02168847}" type="datetimeFigureOut">
               <a:rPr lang="en-US" smtClean="0"/>
-              <a:t>3/2/2020</a:t>
+              <a:t>3/7/2020</a:t>
             </a:fld>
             <a:endParaRPr lang="en-US"/>
           </a:p>
@@ -1265,7 +1277,7 @@
           <a:p>
             <a:fld id="{2D3FE6D7-36E9-46FF-9121-27DF02168847}" type="datetimeFigureOut">
               <a:rPr lang="en-US" smtClean="0"/>
-              <a:t>3/2/2020</a:t>
+              <a:t>3/7/2020</a:t>
             </a:fld>
             <a:endParaRPr lang="en-US"/>
           </a:p>
@@ -1632,7 +1644,7 @@
           <a:p>
             <a:fld id="{2D3FE6D7-36E9-46FF-9121-27DF02168847}" type="datetimeFigureOut">
               <a:rPr lang="en-US" smtClean="0"/>
-              <a:t>3/2/2020</a:t>
+              <a:t>3/7/2020</a:t>
             </a:fld>
             <a:endParaRPr lang="en-US"/>
           </a:p>
@@ -1750,7 +1762,7 @@
           <a:p>
             <a:fld id="{2D3FE6D7-36E9-46FF-9121-27DF02168847}" type="datetimeFigureOut">
               <a:rPr lang="en-US" smtClean="0"/>
-              <a:t>3/2/2020</a:t>
+              <a:t>3/7/2020</a:t>
             </a:fld>
             <a:endParaRPr lang="en-US"/>
           </a:p>
@@ -1845,7 +1857,7 @@
           <a:p>
             <a:fld id="{2D3FE6D7-36E9-46FF-9121-27DF02168847}" type="datetimeFigureOut">
               <a:rPr lang="en-US" smtClean="0"/>
-              <a:t>3/2/2020</a:t>
+              <a:t>3/7/2020</a:t>
             </a:fld>
             <a:endParaRPr lang="en-US"/>
           </a:p>
@@ -2122,7 +2134,7 @@
           <a:p>
             <a:fld id="{2D3FE6D7-36E9-46FF-9121-27DF02168847}" type="datetimeFigureOut">
               <a:rPr lang="en-US" smtClean="0"/>
-              <a:t>3/2/2020</a:t>
+              <a:t>3/7/2020</a:t>
             </a:fld>
             <a:endParaRPr lang="en-US"/>
           </a:p>
@@ -2375,7 +2387,7 @@
           <a:p>
             <a:fld id="{2D3FE6D7-36E9-46FF-9121-27DF02168847}" type="datetimeFigureOut">
               <a:rPr lang="en-US" smtClean="0"/>
-              <a:t>3/2/2020</a:t>
+              <a:t>3/7/2020</a:t>
             </a:fld>
             <a:endParaRPr lang="en-US"/>
           </a:p>
@@ -2588,7 +2600,7 @@
           <a:p>
             <a:fld id="{2D3FE6D7-36E9-46FF-9121-27DF02168847}" type="datetimeFigureOut">
               <a:rPr lang="en-US" smtClean="0"/>
-              <a:t>3/2/2020</a:t>
+              <a:t>3/7/2020</a:t>
             </a:fld>
             <a:endParaRPr lang="en-US"/>
           </a:p>
@@ -3460,7 +3472,7 @@
 </file>
 
 <file path=ppt/slides/slide3.xml><?xml version="1.0" encoding="utf-8"?>
-<p:sld xmlns:a="http://schemas.openxmlformats.org/drawingml/2006/main" xmlns:r="http://schemas.openxmlformats.org/officeDocument/2006/relationships" xmlns:p="http://schemas.openxmlformats.org/presentationml/2006/main" show="0">
+<p:sld xmlns:a="http://schemas.openxmlformats.org/drawingml/2006/main" xmlns:r="http://schemas.openxmlformats.org/officeDocument/2006/relationships" xmlns:p="http://schemas.openxmlformats.org/presentationml/2006/main">
   <p:cSld>
     <p:bg>
       <p:bgPr>
@@ -3486,13 +3498,13 @@
       </p:grpSpPr>
       <p:pic>
         <p:nvPicPr>
-          <p:cNvPr id="2" name="Picture 1"/>
+          <p:cNvPr id="6" name="Picture 5"/>
           <p:cNvPicPr>
             <a:picLocks noChangeAspect="1"/>
           </p:cNvPicPr>
           <p:nvPr/>
         </p:nvPicPr>
-        <p:blipFill>
+        <p:blipFill rotWithShape="1">
           <a:blip r:embed="rId2">
             <a:extLst>
               <a:ext uri="{28A0092B-C50C-407E-A947-70E740481C1C}">
@@ -3500,14 +3512,13 @@
               </a:ext>
             </a:extLst>
           </a:blip>
-          <a:stretch>
-            <a:fillRect/>
-          </a:stretch>
+          <a:srcRect l="8899" t="11888"/>
+          <a:stretch/>
         </p:blipFill>
         <p:spPr>
-          <a:xfrm>
-            <a:off x="0" y="0"/>
-            <a:ext cx="12192000" cy="6858000"/>
+          <a:xfrm rot="4882219">
+            <a:off x="3680783" y="-551262"/>
+            <a:ext cx="11028036" cy="8722521"/>
           </a:xfrm>
           <a:prstGeom prst="rect">
             <a:avLst/>
@@ -3516,185 +3527,31 @@
       </p:pic>
       <p:sp>
         <p:nvSpPr>
-          <p:cNvPr id="7" name="TextBox 6"/>
-          <p:cNvSpPr txBox="1"/>
+          <p:cNvPr id="8" name="Rectangle 7"/>
+          <p:cNvSpPr/>
           <p:nvPr/>
         </p:nvSpPr>
         <p:spPr>
-          <a:xfrm>
-            <a:off x="4742478" y="2830830"/>
-            <a:ext cx="6746134" cy="830997"/>
+          <a:xfrm rot="10800000">
+            <a:off x="6197600" y="-1"/>
+            <a:ext cx="6134096" cy="6858000"/>
           </a:xfrm>
           <a:prstGeom prst="rect">
             <a:avLst/>
           </a:prstGeom>
-          <a:noFill/>
-        </p:spPr>
-        <p:txBody>
-          <a:bodyPr wrap="square" rtlCol="0">
-            <a:spAutoFit/>
-          </a:bodyPr>
-          <a:lstStyle/>
-          <a:p>
-            <a:pPr algn="r"/>
-            <a:r>
-              <a:rPr lang="en-US" sz="4800" dirty="0" smtClean="0">
-                <a:solidFill>
-                  <a:srgbClr val="2A2537"/>
-                </a:solidFill>
-              </a:rPr>
-              <a:t>THE SOLUTION</a:t>
-            </a:r>
-          </a:p>
-        </p:txBody>
-      </p:sp>
-      <p:cxnSp>
-        <p:nvCxnSpPr>
-          <p:cNvPr id="10" name="Straight Connector 9"/>
-          <p:cNvCxnSpPr/>
-          <p:nvPr/>
-        </p:nvCxnSpPr>
-        <p:spPr>
-          <a:xfrm>
-            <a:off x="4485303" y="876882"/>
-            <a:ext cx="6882007" cy="0"/>
-          </a:xfrm>
-          <a:prstGeom prst="line">
-            <a:avLst/>
-          </a:prstGeom>
-          <a:ln w="114300">
-            <a:solidFill>
-              <a:srgbClr val="FF4F85"/>
-            </a:solidFill>
-          </a:ln>
-        </p:spPr>
-        <p:style>
-          <a:lnRef idx="1">
-            <a:schemeClr val="accent1"/>
-          </a:lnRef>
-          <a:fillRef idx="0">
-            <a:schemeClr val="accent1"/>
-          </a:fillRef>
-          <a:effectRef idx="0">
-            <a:schemeClr val="accent1"/>
-          </a:effectRef>
-          <a:fontRef idx="minor">
-            <a:schemeClr val="tx1"/>
-          </a:fontRef>
-        </p:style>
-      </p:cxnSp>
-      <p:cxnSp>
-        <p:nvCxnSpPr>
-          <p:cNvPr id="13" name="Straight Connector 12"/>
-          <p:cNvCxnSpPr/>
-          <p:nvPr/>
-        </p:nvCxnSpPr>
-        <p:spPr>
-          <a:xfrm>
-            <a:off x="4485303" y="2511312"/>
-            <a:ext cx="6891338" cy="0"/>
-          </a:xfrm>
-          <a:prstGeom prst="line">
-            <a:avLst/>
-          </a:prstGeom>
-          <a:ln w="114300">
-            <a:solidFill>
-              <a:srgbClr val="FF4F85"/>
-            </a:solidFill>
-          </a:ln>
-        </p:spPr>
-        <p:style>
-          <a:lnRef idx="1">
-            <a:schemeClr val="accent1"/>
-          </a:lnRef>
-          <a:fillRef idx="0">
-            <a:schemeClr val="accent1"/>
-          </a:fillRef>
-          <a:effectRef idx="0">
-            <a:schemeClr val="accent1"/>
-          </a:effectRef>
-          <a:fontRef idx="minor">
-            <a:schemeClr val="tx1"/>
-          </a:fontRef>
-        </p:style>
-      </p:cxnSp>
-      <p:sp>
-        <p:nvSpPr>
-          <p:cNvPr id="20" name="Title 1"/>
-          <p:cNvSpPr txBox="1">
-            <a:spLocks/>
-          </p:cNvSpPr>
-          <p:nvPr/>
-        </p:nvSpPr>
-        <p:spPr>
-          <a:xfrm>
-            <a:off x="3909527" y="773485"/>
-            <a:ext cx="7613780" cy="1898229"/>
-          </a:xfrm>
-          <a:prstGeom prst="rect">
-            <a:avLst/>
-          </a:prstGeom>
-        </p:spPr>
-        <p:txBody>
-          <a:bodyPr vert="horz" lIns="91440" tIns="45720" rIns="91440" bIns="45720" rtlCol="0" anchor="b">
-            <a:noAutofit/>
-          </a:bodyPr>
-          <a:lstStyle>
-            <a:lvl1pPr algn="ctr" defTabSz="914400" rtl="0" eaLnBrk="1" latinLnBrk="0" hangingPunct="1">
-              <a:lnSpc>
-                <a:spcPct val="90000"/>
-              </a:lnSpc>
-              <a:spcBef>
-                <a:spcPct val="0"/>
-              </a:spcBef>
-              <a:buNone/>
-              <a:defRPr sz="6000" kern="1200">
-                <a:solidFill>
-                  <a:schemeClr val="tx1"/>
-                </a:solidFill>
-                <a:latin typeface="+mj-lt"/>
-                <a:ea typeface="+mj-ea"/>
-                <a:cs typeface="+mj-cs"/>
-              </a:defRPr>
-            </a:lvl1pPr>
-          </a:lstStyle>
-          <a:p>
-            <a:pPr algn="r"/>
-            <a:r>
-              <a:rPr lang="en-US" sz="13000" b="1" dirty="0" smtClean="0">
-                <a:solidFill>
-                  <a:schemeClr val="bg1"/>
-                </a:solidFill>
-                <a:latin typeface="Bahnschrift SemiBold Condensed" panose="020B0502040204020203" pitchFamily="34" charset="0"/>
-              </a:rPr>
-              <a:t>INTRODUCING</a:t>
-            </a:r>
-            <a:endParaRPr lang="en-US" sz="13000" b="1" dirty="0">
-              <a:solidFill>
-                <a:schemeClr val="bg1"/>
-              </a:solidFill>
-              <a:latin typeface="Bahnschrift SemiBold Condensed" panose="020B0502040204020203" pitchFamily="34" charset="0"/>
-            </a:endParaRPr>
-          </a:p>
-        </p:txBody>
-      </p:sp>
-      <p:sp>
-        <p:nvSpPr>
-          <p:cNvPr id="28" name="Rectangle 27"/>
-          <p:cNvSpPr/>
-          <p:nvPr/>
-        </p:nvSpPr>
-        <p:spPr>
-          <a:xfrm>
-            <a:off x="11822668" y="4792910"/>
-            <a:ext cx="369332" cy="1543741"/>
-          </a:xfrm>
-          <a:prstGeom prst="rect">
-            <a:avLst/>
-          </a:prstGeom>
-          <a:solidFill>
-            <a:srgbClr val="2A2537"/>
-          </a:solidFill>
+          <a:gradFill>
+            <a:gsLst>
+              <a:gs pos="0">
+                <a:srgbClr val="24EEF7">
+                  <a:alpha val="0"/>
+                </a:srgbClr>
+              </a:gs>
+              <a:gs pos="100000">
+                <a:srgbClr val="24EEF7"/>
+              </a:gs>
+            </a:gsLst>
+            <a:lin ang="0" scaled="0"/>
+          </a:gradFill>
           <a:ln>
             <a:noFill/>
           </a:ln>
@@ -3726,36 +3583,216 @@
       </p:sp>
       <p:sp>
         <p:nvSpPr>
-          <p:cNvPr id="15" name="TextBox 14"/>
-          <p:cNvSpPr txBox="1"/>
+          <p:cNvPr id="13" name="Rectangle 12"/>
+          <p:cNvSpPr/>
           <p:nvPr/>
         </p:nvSpPr>
         <p:spPr>
-          <a:xfrm rot="16200000">
-            <a:off x="11235464" y="5380115"/>
-            <a:ext cx="1543740" cy="369332"/>
+          <a:xfrm rot="10800000">
+            <a:off x="12706" y="-1"/>
+            <a:ext cx="6184894" cy="6858000"/>
           </a:xfrm>
           <a:prstGeom prst="rect">
             <a:avLst/>
           </a:prstGeom>
-          <a:noFill/>
-        </p:spPr>
-        <p:txBody>
-          <a:bodyPr wrap="square" rtlCol="0" anchor="ctr">
-            <a:spAutoFit/>
+          <a:solidFill>
+            <a:srgbClr val="24EEF7"/>
+          </a:solidFill>
+          <a:ln>
+            <a:noFill/>
+          </a:ln>
+        </p:spPr>
+        <p:style>
+          <a:lnRef idx="2">
+            <a:schemeClr val="accent1">
+              <a:shade val="50000"/>
+            </a:schemeClr>
+          </a:lnRef>
+          <a:fillRef idx="1">
+            <a:schemeClr val="accent1"/>
+          </a:fillRef>
+          <a:effectRef idx="0">
+            <a:schemeClr val="accent1"/>
+          </a:effectRef>
+          <a:fontRef idx="minor">
+            <a:schemeClr val="lt1"/>
+          </a:fontRef>
+        </p:style>
+        <p:txBody>
+          <a:bodyPr rtlCol="0" anchor="ctr"/>
+          <a:lstStyle/>
+          <a:p>
+            <a:pPr algn="ctr"/>
+            <a:endParaRPr lang="en-US"/>
+          </a:p>
+        </p:txBody>
+      </p:sp>
+      <p:sp>
+        <p:nvSpPr>
+          <p:cNvPr id="15" name="Rectangle 14"/>
+          <p:cNvSpPr/>
+          <p:nvPr/>
+        </p:nvSpPr>
+        <p:spPr>
+          <a:xfrm rot="5400000">
+            <a:off x="5734046" y="260350"/>
+            <a:ext cx="6337300" cy="6858000"/>
+          </a:xfrm>
+          <a:prstGeom prst="rect">
+            <a:avLst/>
+          </a:prstGeom>
+          <a:gradFill>
+            <a:gsLst>
+              <a:gs pos="0">
+                <a:srgbClr val="24EEF7">
+                  <a:alpha val="0"/>
+                </a:srgbClr>
+              </a:gs>
+              <a:gs pos="100000">
+                <a:srgbClr val="24EEF7"/>
+              </a:gs>
+            </a:gsLst>
+            <a:lin ang="0" scaled="0"/>
+          </a:gradFill>
+          <a:ln>
+            <a:noFill/>
+          </a:ln>
+        </p:spPr>
+        <p:style>
+          <a:lnRef idx="2">
+            <a:schemeClr val="accent1">
+              <a:shade val="50000"/>
+            </a:schemeClr>
+          </a:lnRef>
+          <a:fillRef idx="1">
+            <a:schemeClr val="accent1"/>
+          </a:fillRef>
+          <a:effectRef idx="0">
+            <a:schemeClr val="accent1"/>
+          </a:effectRef>
+          <a:fontRef idx="minor">
+            <a:schemeClr val="lt1"/>
+          </a:fontRef>
+        </p:style>
+        <p:txBody>
+          <a:bodyPr rtlCol="0" anchor="ctr"/>
+          <a:lstStyle/>
+          <a:p>
+            <a:pPr algn="ctr"/>
+            <a:endParaRPr lang="en-US"/>
+          </a:p>
+        </p:txBody>
+      </p:sp>
+      <p:sp>
+        <p:nvSpPr>
+          <p:cNvPr id="7" name="Rectangle 6"/>
+          <p:cNvSpPr/>
+          <p:nvPr/>
+        </p:nvSpPr>
+        <p:spPr>
+          <a:xfrm rot="10800000">
+            <a:off x="0" y="0"/>
+            <a:ext cx="13773150" cy="7829550"/>
+          </a:xfrm>
+          <a:prstGeom prst="rect">
+            <a:avLst/>
+          </a:prstGeom>
+          <a:gradFill>
+            <a:gsLst>
+              <a:gs pos="0">
+                <a:srgbClr val="FF4F85">
+                  <a:alpha val="35000"/>
+                </a:srgbClr>
+              </a:gs>
+              <a:gs pos="100000">
+                <a:srgbClr val="24EEF7"/>
+              </a:gs>
+            </a:gsLst>
+            <a:lin ang="2400000" scaled="0"/>
+          </a:gradFill>
+          <a:ln>
+            <a:noFill/>
+          </a:ln>
+        </p:spPr>
+        <p:style>
+          <a:lnRef idx="2">
+            <a:schemeClr val="accent1">
+              <a:shade val="50000"/>
+            </a:schemeClr>
+          </a:lnRef>
+          <a:fillRef idx="1">
+            <a:schemeClr val="accent1"/>
+          </a:fillRef>
+          <a:effectRef idx="0">
+            <a:schemeClr val="accent1"/>
+          </a:effectRef>
+          <a:fontRef idx="minor">
+            <a:schemeClr val="lt1"/>
+          </a:fontRef>
+        </p:style>
+        <p:txBody>
+          <a:bodyPr rtlCol="0" anchor="ctr"/>
+          <a:lstStyle/>
+          <a:p>
+            <a:pPr algn="ctr"/>
+            <a:endParaRPr lang="en-US"/>
+          </a:p>
+        </p:txBody>
+      </p:sp>
+      <p:sp>
+        <p:nvSpPr>
+          <p:cNvPr id="2" name="Title 1"/>
+          <p:cNvSpPr>
+            <a:spLocks noGrp="1"/>
+          </p:cNvSpPr>
+          <p:nvPr>
+            <p:ph type="title"/>
+          </p:nvPr>
+        </p:nvSpPr>
+        <p:spPr>
+          <a:xfrm>
+            <a:off x="1578513" y="1588525"/>
+            <a:ext cx="6096000" cy="1325563"/>
+          </a:xfrm>
+        </p:spPr>
+        <p:txBody>
+          <a:bodyPr>
+            <a:normAutofit fontScale="90000"/>
           </a:bodyPr>
           <a:lstStyle/>
           <a:p>
-            <a:pPr algn="ctr"/>
-            <a:r>
-              <a:rPr lang="en-US" dirty="0" smtClean="0">
+            <a:r>
+              <a:rPr lang="en-US" sz="2700" dirty="0" smtClean="0">
                 <a:solidFill>
                   <a:schemeClr val="bg1"/>
                 </a:solidFill>
               </a:rPr>
-              <a:t>2020</a:t>
-            </a:r>
-            <a:endParaRPr lang="en-US" dirty="0">
+              <a:t>THE</a:t>
+            </a:r>
+            <a:r>
+              <a:rPr lang="en-US" sz="2400" dirty="0" smtClean="0">
+                <a:solidFill>
+                  <a:schemeClr val="bg1"/>
+                </a:solidFill>
+              </a:rPr>
+              <a:t/>
+            </a:r>
+            <a:br>
+              <a:rPr lang="en-US" sz="2400" dirty="0" smtClean="0">
+                <a:solidFill>
+                  <a:schemeClr val="bg1"/>
+                </a:solidFill>
+              </a:rPr>
+            </a:br>
+            <a:r>
+              <a:rPr lang="en-US" sz="7300" dirty="0" smtClean="0">
+                <a:solidFill>
+                  <a:schemeClr val="bg1"/>
+                </a:solidFill>
+              </a:rPr>
+              <a:t>IDEA</a:t>
+            </a:r>
+            <a:endParaRPr lang="en-US" sz="2400" dirty="0">
               <a:solidFill>
                 <a:schemeClr val="bg1"/>
               </a:solidFill>
@@ -3765,76 +3802,98 @@
       </p:sp>
       <p:sp>
         <p:nvSpPr>
-          <p:cNvPr id="29" name="TextBox 28"/>
-          <p:cNvSpPr txBox="1"/>
+          <p:cNvPr id="3" name="Content Placeholder 2"/>
+          <p:cNvSpPr>
+            <a:spLocks noGrp="1"/>
+          </p:cNvSpPr>
+          <p:nvPr>
+            <p:ph idx="1"/>
+          </p:nvPr>
+        </p:nvSpPr>
+        <p:spPr>
+          <a:xfrm>
+            <a:off x="1578513" y="3645925"/>
+            <a:ext cx="7096125" cy="2925763"/>
+          </a:xfrm>
+        </p:spPr>
+        <p:txBody>
+          <a:bodyPr>
+            <a:normAutofit/>
+          </a:bodyPr>
+          <a:lstStyle/>
+          <a:p>
+            <a:pPr marL="0" indent="0" algn="just">
+              <a:buNone/>
+            </a:pPr>
+            <a:r>
+              <a:rPr lang="en-US" sz="2400" dirty="0">
+                <a:solidFill>
+                  <a:schemeClr val="bg1"/>
+                </a:solidFill>
+              </a:rPr>
+              <a:t>Originally designed for the Nikon DK-25 eyecup mount, the eyecup extension allows you to extend the distance from your face to your camera’s screen while using your preferred eyecup. This extra space allows for a more comfortable shooting posture and reduces chances of an oily screen, making previewing photos more accurate</a:t>
+            </a:r>
+            <a:r>
+              <a:rPr lang="en-US" sz="2400" dirty="0" smtClean="0">
+                <a:solidFill>
+                  <a:schemeClr val="bg1"/>
+                </a:solidFill>
+              </a:rPr>
+              <a:t>.</a:t>
+            </a:r>
+            <a:endParaRPr lang="en-US" sz="2400" dirty="0">
+              <a:solidFill>
+                <a:schemeClr val="bg1"/>
+              </a:solidFill>
+            </a:endParaRPr>
+          </a:p>
+        </p:txBody>
+      </p:sp>
+      <p:cxnSp>
+        <p:nvCxnSpPr>
+          <p:cNvPr id="4" name="Straight Connector 3"/>
+          <p:cNvCxnSpPr/>
           <p:nvPr/>
-        </p:nvSpPr>
-        <p:spPr>
-          <a:xfrm>
-            <a:off x="4686493" y="3708482"/>
-            <a:ext cx="6746134" cy="830997"/>
-          </a:xfrm>
-          <a:prstGeom prst="rect">
+        </p:nvCxnSpPr>
+        <p:spPr>
+          <a:xfrm flipV="1">
+            <a:off x="1451515" y="1661983"/>
+            <a:ext cx="0" cy="1033029"/>
+          </a:xfrm>
+          <a:prstGeom prst="line">
             <a:avLst/>
           </a:prstGeom>
-          <a:noFill/>
-        </p:spPr>
-        <p:txBody>
-          <a:bodyPr wrap="square" rtlCol="0">
-            <a:spAutoFit/>
-          </a:bodyPr>
-          <a:lstStyle/>
-          <a:p>
-            <a:pPr algn="r"/>
-            <a:r>
-              <a:rPr lang="en-US" sz="2400" dirty="0" smtClean="0">
-                <a:solidFill>
-                  <a:srgbClr val="2A2537"/>
-                </a:solidFill>
-              </a:rPr>
-              <a:t>A PERSONALISED EYECUP</a:t>
-            </a:r>
-            <a:br>
-              <a:rPr lang="en-US" sz="2400" dirty="0" smtClean="0">
-                <a:solidFill>
-                  <a:srgbClr val="2A2537"/>
-                </a:solidFill>
-              </a:rPr>
-            </a:br>
-            <a:r>
-              <a:rPr lang="en-US" sz="2400" dirty="0" smtClean="0">
-                <a:solidFill>
-                  <a:srgbClr val="2A2537"/>
-                </a:solidFill>
-              </a:rPr>
-              <a:t>FOR OPTIMAL COMFORT</a:t>
-            </a:r>
-            <a:endParaRPr lang="en-US" sz="2400" dirty="0">
-              <a:solidFill>
-                <a:srgbClr val="2A2537"/>
-              </a:solidFill>
-            </a:endParaRPr>
-          </a:p>
-        </p:txBody>
-      </p:sp>
+          <a:ln w="76200">
+            <a:solidFill>
+              <a:srgbClr val="FF4F85"/>
+            </a:solidFill>
+          </a:ln>
+        </p:spPr>
+        <p:style>
+          <a:lnRef idx="1">
+            <a:schemeClr val="accent1"/>
+          </a:lnRef>
+          <a:fillRef idx="0">
+            <a:schemeClr val="accent1"/>
+          </a:fillRef>
+          <a:effectRef idx="0">
+            <a:schemeClr val="accent1"/>
+          </a:effectRef>
+          <a:fontRef idx="minor">
+            <a:schemeClr val="tx1"/>
+          </a:fontRef>
+        </p:style>
+      </p:cxnSp>
     </p:spTree>
     <p:extLst>
       <p:ext uri="{BB962C8B-B14F-4D97-AF65-F5344CB8AC3E}">
-        <p14:creationId xmlns:p14="http://schemas.microsoft.com/office/powerpoint/2010/main" val="3787001524"/>
+        <p14:creationId xmlns:p14="http://schemas.microsoft.com/office/powerpoint/2010/main" val="4033968742"/>
       </p:ext>
     </p:extLst>
   </p:cSld>
   <p:clrMapOvr>
     <a:masterClrMapping/>
   </p:clrMapOvr>
-  <mc:AlternateContent xmlns:mc="http://schemas.openxmlformats.org/markup-compatibility/2006" xmlns:p14="http://schemas.microsoft.com/office/powerpoint/2010/main">
-    <mc:Choice Requires="p14">
-      <p:transition spd="slow" p14:dur="2000"/>
-    </mc:Choice>
-    <mc:Fallback xmlns="">
-      <p:transition spd="slow"/>
-    </mc:Fallback>
-  </mc:AlternateContent>
   <p:timing>
     <p:tnLst>
       <p:par>
@@ -3878,7 +3937,7 @@
         </p:nvSpPr>
         <p:spPr>
           <a:xfrm>
-            <a:off x="8486774" y="0"/>
+            <a:off x="4135" y="0"/>
             <a:ext cx="3705225" cy="6858000"/>
           </a:xfrm>
           <a:prstGeom prst="rect">
@@ -3886,6 +3945,52 @@
           </a:prstGeom>
           <a:solidFill>
             <a:srgbClr val="FF4F85"/>
+          </a:solidFill>
+          <a:ln>
+            <a:noFill/>
+          </a:ln>
+        </p:spPr>
+        <p:style>
+          <a:lnRef idx="2">
+            <a:schemeClr val="accent1">
+              <a:shade val="50000"/>
+            </a:schemeClr>
+          </a:lnRef>
+          <a:fillRef idx="1">
+            <a:schemeClr val="accent1"/>
+          </a:fillRef>
+          <a:effectRef idx="0">
+            <a:schemeClr val="accent1"/>
+          </a:effectRef>
+          <a:fontRef idx="minor">
+            <a:schemeClr val="lt1"/>
+          </a:fontRef>
+        </p:style>
+        <p:txBody>
+          <a:bodyPr rtlCol="0" anchor="ctr"/>
+          <a:lstStyle/>
+          <a:p>
+            <a:pPr algn="ctr"/>
+            <a:endParaRPr lang="en-US"/>
+          </a:p>
+        </p:txBody>
+      </p:sp>
+      <p:sp>
+        <p:nvSpPr>
+          <p:cNvPr id="17" name="Rectangle 16"/>
+          <p:cNvSpPr/>
+          <p:nvPr/>
+        </p:nvSpPr>
+        <p:spPr>
+          <a:xfrm>
+            <a:off x="4314825" y="0"/>
+            <a:ext cx="7877175" cy="6858000"/>
+          </a:xfrm>
+          <a:prstGeom prst="rect">
+            <a:avLst/>
+          </a:prstGeom>
+          <a:solidFill>
+            <a:srgbClr val="3E4854"/>
           </a:solidFill>
           <a:ln>
             <a:noFill/>
@@ -3947,7 +4052,7 @@
         </p:blipFill>
         <p:spPr>
           <a:xfrm rot="16816014">
-            <a:off x="3658874" y="-2647255"/>
+            <a:off x="-4404665" y="-2417992"/>
             <a:ext cx="7810450" cy="10670826"/>
           </a:xfrm>
         </p:spPr>
@@ -3959,8 +4064,8 @@
           <p:nvPr/>
         </p:nvSpPr>
         <p:spPr>
-          <a:xfrm rot="2556718">
-            <a:off x="4551312" y="3640421"/>
+          <a:xfrm rot="4901224">
+            <a:off x="527934" y="1326175"/>
             <a:ext cx="8697452" cy="4413926"/>
           </a:xfrm>
           <a:prstGeom prst="rect">
@@ -4008,8 +4113,8 @@
         </p:nvSpPr>
         <p:spPr>
           <a:xfrm>
-            <a:off x="8486773" y="0"/>
-            <a:ext cx="3705225" cy="6858000"/>
+            <a:off x="4134" y="0"/>
+            <a:ext cx="4121354" cy="6858000"/>
           </a:xfrm>
           <a:prstGeom prst="rect">
             <a:avLst/>
@@ -4065,16 +4170,16 @@
         </p:nvSpPr>
         <p:spPr>
           <a:xfrm rot="4507459">
-            <a:off x="3321637" y="2116250"/>
-            <a:ext cx="8697452" cy="4413926"/>
+            <a:off x="2013775" y="-316740"/>
+            <a:ext cx="10083147" cy="7532540"/>
           </a:xfrm>
           <a:prstGeom prst="rect">
             <a:avLst/>
           </a:prstGeom>
           <a:solidFill>
-            <a:srgbClr val="FF4F85">
-              <a:alpha val="67000"/>
-            </a:srgbClr>
+            <a:schemeClr val="bg1">
+              <a:lumMod val="95000"/>
+            </a:schemeClr>
           </a:solidFill>
           <a:ln>
             <a:noFill/>
@@ -4105,54 +4210,45 @@
           </a:p>
         </p:txBody>
       </p:sp>
-      <p:sp>
-        <p:nvSpPr>
-          <p:cNvPr id="17" name="Rectangle 16"/>
-          <p:cNvSpPr/>
+      <p:pic>
+        <p:nvPicPr>
+          <p:cNvPr id="22" name="Picture 21"/>
+          <p:cNvPicPr>
+            <a:picLocks noChangeAspect="1"/>
+          </p:cNvPicPr>
           <p:nvPr/>
-        </p:nvSpPr>
-        <p:spPr>
-          <a:xfrm>
-            <a:off x="0" y="0"/>
-            <a:ext cx="8486773" cy="6858000"/>
+        </p:nvPicPr>
+        <p:blipFill>
+          <a:blip r:embed="rId3">
+            <a:extLst>
+              <a:ext uri="{BEBA8EAE-BF5A-486C-A8C5-ECC9F3942E4B}">
+                <a14:imgProps xmlns:a14="http://schemas.microsoft.com/office/drawing/2010/main">
+                  <a14:imgLayer r:embed="rId4">
+                    <a14:imgEffect>
+                      <a14:brightnessContrast bright="21000"/>
+                    </a14:imgEffect>
+                  </a14:imgLayer>
+                </a14:imgProps>
+              </a:ext>
+              <a:ext uri="{28A0092B-C50C-407E-A947-70E740481C1C}">
+                <a14:useLocalDpi xmlns:a14="http://schemas.microsoft.com/office/drawing/2010/main" val="0"/>
+              </a:ext>
+            </a:extLst>
+          </a:blip>
+          <a:stretch>
+            <a:fillRect/>
+          </a:stretch>
+        </p:blipFill>
+        <p:spPr>
+          <a:xfrm rot="10800000">
+            <a:off x="104775" y="0"/>
+            <a:ext cx="12087225" cy="6858000"/>
           </a:xfrm>
           <a:prstGeom prst="rect">
             <a:avLst/>
           </a:prstGeom>
-          <a:solidFill>
-            <a:schemeClr val="bg1">
-              <a:lumMod val="95000"/>
-            </a:schemeClr>
-          </a:solidFill>
-          <a:ln>
-            <a:noFill/>
-          </a:ln>
-        </p:spPr>
-        <p:style>
-          <a:lnRef idx="2">
-            <a:schemeClr val="accent1">
-              <a:shade val="50000"/>
-            </a:schemeClr>
-          </a:lnRef>
-          <a:fillRef idx="1">
-            <a:schemeClr val="accent1"/>
-          </a:fillRef>
-          <a:effectRef idx="0">
-            <a:schemeClr val="accent1"/>
-          </a:effectRef>
-          <a:fontRef idx="minor">
-            <a:schemeClr val="lt1"/>
-          </a:fontRef>
-        </p:style>
-        <p:txBody>
-          <a:bodyPr rtlCol="0" anchor="ctr"/>
-          <a:lstStyle/>
-          <a:p>
-            <a:pPr algn="ctr"/>
-            <a:endParaRPr lang="en-US"/>
-          </a:p>
-        </p:txBody>
-      </p:sp>
+        </p:spPr>
+      </p:pic>
       <p:sp>
         <p:nvSpPr>
           <p:cNvPr id="2" name="Title 1"/>
@@ -4165,8 +4261,8 @@
         </p:nvSpPr>
         <p:spPr>
           <a:xfrm>
-            <a:off x="891407" y="907712"/>
-            <a:ext cx="2983679" cy="1325563"/>
+            <a:off x="4003328" y="990121"/>
+            <a:ext cx="3128254" cy="1385904"/>
           </a:xfrm>
         </p:spPr>
         <p:txBody>
@@ -4175,13 +4271,36 @@
           </a:bodyPr>
           <a:lstStyle/>
           <a:p>
+            <a:r>
+              <a:rPr lang="en-US" sz="2400" dirty="0" smtClean="0">
+                <a:solidFill>
+                  <a:srgbClr val="3E4854"/>
+                </a:solidFill>
+              </a:rPr>
+              <a:t>THE</a:t>
+            </a:r>
             <a:r>
               <a:rPr lang="en-US" sz="6000" dirty="0" smtClean="0">
                 <a:solidFill>
                   <a:srgbClr val="3E4854"/>
                 </a:solidFill>
               </a:rPr>
-              <a:t>WHAT IT IS</a:t>
+              <a:t/>
+            </a:r>
+            <a:br>
+              <a:rPr lang="en-US" sz="6000" dirty="0" smtClean="0">
+                <a:solidFill>
+                  <a:srgbClr val="3E4854"/>
+                </a:solidFill>
+              </a:rPr>
+            </a:br>
+            <a:r>
+              <a:rPr lang="en-US" sz="6600" dirty="0" smtClean="0">
+                <a:solidFill>
+                  <a:srgbClr val="3E4854"/>
+                </a:solidFill>
+              </a:rPr>
+              <a:t>DESIGN</a:t>
             </a:r>
             <a:endParaRPr lang="en-US" sz="6000" dirty="0">
               <a:solidFill>
@@ -4193,48 +4312,14 @@
       </p:sp>
       <p:sp>
         <p:nvSpPr>
-          <p:cNvPr id="4" name="Rectangle 3"/>
-          <p:cNvSpPr/>
-          <p:nvPr/>
-        </p:nvSpPr>
-        <p:spPr>
-          <a:xfrm>
-            <a:off x="4910034" y="7334649"/>
-            <a:ext cx="2371931" cy="369332"/>
-          </a:xfrm>
-          <a:prstGeom prst="rect">
-            <a:avLst/>
-          </a:prstGeom>
-        </p:spPr>
-        <p:txBody>
-          <a:bodyPr wrap="none">
-            <a:spAutoFit/>
-          </a:bodyPr>
-          <a:lstStyle/>
-          <a:p>
-            <a:pPr algn="r"/>
-            <a:r>
-              <a:rPr lang="en-US" dirty="0" smtClean="0">
-                <a:latin typeface="Swis721 BlkCn BT" panose="020B0806030502040204" pitchFamily="34" charset="0"/>
-              </a:rPr>
-              <a:t>Nikon DK-25 Extension</a:t>
-            </a:r>
-            <a:endParaRPr lang="en-US" dirty="0">
-              <a:latin typeface="Swis721 BlkCn BT" panose="020B0806030502040204" pitchFamily="34" charset="0"/>
-            </a:endParaRPr>
-          </a:p>
-        </p:txBody>
-      </p:sp>
-      <p:sp>
-        <p:nvSpPr>
           <p:cNvPr id="5" name="TextBox 4"/>
           <p:cNvSpPr txBox="1"/>
           <p:nvPr/>
         </p:nvSpPr>
         <p:spPr>
           <a:xfrm>
-            <a:off x="659007" y="2784572"/>
-            <a:ext cx="6555544" cy="2677656"/>
+            <a:off x="4003327" y="2917421"/>
+            <a:ext cx="7240061" cy="2677656"/>
           </a:xfrm>
           <a:prstGeom prst="rect">
             <a:avLst/>
@@ -4247,14 +4332,13 @@
           </a:bodyPr>
           <a:lstStyle/>
           <a:p>
-            <a:pPr algn="just"/>
             <a:r>
               <a:rPr lang="en-US" sz="2400" dirty="0" smtClean="0">
                 <a:solidFill>
                   <a:srgbClr val="3E4854"/>
                 </a:solidFill>
               </a:rPr>
-              <a:t>Originally designed for the Nikon DK-25 eyecup mount, the eyecup extension allows you to extend the distance from your face to your camera’s screen while </a:t>
+              <a:t>The eyecup extension </a:t>
             </a:r>
             <a:r>
               <a:rPr lang="en-US" sz="2400" dirty="0" smtClean="0">
@@ -4262,47 +4346,7 @@
                   <a:srgbClr val="3E4854"/>
                 </a:solidFill>
               </a:rPr>
-              <a:t>using </a:t>
-            </a:r>
-            <a:r>
-              <a:rPr lang="en-US" sz="2400" dirty="0" smtClean="0">
-                <a:solidFill>
-                  <a:srgbClr val="3E4854"/>
-                </a:solidFill>
-              </a:rPr>
-              <a:t>your preferred eyecup. This extra space allows for a more comfortable shooting posture and reduces chances of an oily screen, </a:t>
-            </a:r>
-            <a:r>
-              <a:rPr lang="en-US" sz="2400" dirty="0" smtClean="0">
-                <a:solidFill>
-                  <a:srgbClr val="3E4854"/>
-                </a:solidFill>
-              </a:rPr>
-              <a:t>making </a:t>
-            </a:r>
-            <a:r>
-              <a:rPr lang="en-US" sz="2400" dirty="0" smtClean="0">
-                <a:solidFill>
-                  <a:srgbClr val="3E4854"/>
-                </a:solidFill>
-              </a:rPr>
-              <a:t>previewing photos </a:t>
-            </a:r>
-            <a:r>
-              <a:rPr lang="en-US" sz="2400" dirty="0" smtClean="0">
-                <a:solidFill>
-                  <a:srgbClr val="3E4854"/>
-                </a:solidFill>
-              </a:rPr>
-              <a:t>more </a:t>
-            </a:r>
-            <a:r>
-              <a:rPr lang="en-US" sz="2400" dirty="0" smtClean="0">
-                <a:solidFill>
-                  <a:srgbClr val="3E4854"/>
-                </a:solidFill>
-              </a:rPr>
-              <a:t>accurate.</a:t>
+              <a:t>was designed as an adapter,  fitting between the camera’s eyecup mount and the eyecup itself. After carefully measuring both attachment surfaces, I was able to create a detailed drawing using Autodesk Inventor. From the drawing, I was able to machine the piece in 2 parts, creating the male and female ends separately.</a:t>
             </a:r>
             <a:endParaRPr lang="en-US" sz="2400" dirty="0">
               <a:solidFill>
@@ -4320,8 +4364,8 @@
         </p:nvCxnSpPr>
         <p:spPr>
           <a:xfrm flipV="1">
-            <a:off x="760607" y="1074435"/>
-            <a:ext cx="4568" cy="1076325"/>
+            <a:off x="3877095" y="1074436"/>
+            <a:ext cx="0" cy="1021064"/>
           </a:xfrm>
           <a:prstGeom prst="line">
             <a:avLst/>
@@ -4373,6 +4417,435 @@
     <p:bg>
       <p:bgPr>
         <a:solidFill>
+          <a:srgbClr val="3E4854"/>
+        </a:solidFill>
+        <a:effectLst/>
+      </p:bgPr>
+    </p:bg>
+    <p:spTree>
+      <p:nvGrpSpPr>
+        <p:cNvPr id="1" name=""/>
+        <p:cNvGrpSpPr/>
+        <p:nvPr/>
+      </p:nvGrpSpPr>
+      <p:grpSpPr>
+        <a:xfrm>
+          <a:off x="0" y="0"/>
+          <a:ext cx="0" cy="0"/>
+          <a:chOff x="0" y="0"/>
+          <a:chExt cx="0" cy="0"/>
+        </a:xfrm>
+      </p:grpSpPr>
+      <p:pic>
+        <p:nvPicPr>
+          <p:cNvPr id="30" name="Picture 29"/>
+          <p:cNvPicPr>
+            <a:picLocks noChangeAspect="1"/>
+          </p:cNvPicPr>
+          <p:nvPr/>
+        </p:nvPicPr>
+        <p:blipFill rotWithShape="1">
+          <a:blip r:embed="rId2"/>
+          <a:srcRect t="15270"/>
+          <a:stretch/>
+        </p:blipFill>
+        <p:spPr>
+          <a:xfrm>
+            <a:off x="-3" y="0"/>
+            <a:ext cx="12192002" cy="6867924"/>
+          </a:xfrm>
+          <a:prstGeom prst="rect">
+            <a:avLst/>
+          </a:prstGeom>
+        </p:spPr>
+      </p:pic>
+      <p:sp>
+        <p:nvSpPr>
+          <p:cNvPr id="21" name="Rectangle 20"/>
+          <p:cNvSpPr/>
+          <p:nvPr/>
+        </p:nvSpPr>
+        <p:spPr>
+          <a:xfrm>
+            <a:off x="1" y="0"/>
+            <a:ext cx="12192000" cy="6858000"/>
+          </a:xfrm>
+          <a:prstGeom prst="rect">
+            <a:avLst/>
+          </a:prstGeom>
+          <a:gradFill>
+            <a:gsLst>
+              <a:gs pos="0">
+                <a:srgbClr val="24EEF7">
+                  <a:lumMod val="73000"/>
+                  <a:lumOff val="27000"/>
+                  <a:alpha val="46000"/>
+                </a:srgbClr>
+              </a:gs>
+              <a:gs pos="100000">
+                <a:srgbClr val="FF4F85">
+                  <a:alpha val="24000"/>
+                </a:srgbClr>
+              </a:gs>
+            </a:gsLst>
+            <a:lin ang="2400000" scaled="0"/>
+          </a:gradFill>
+        </p:spPr>
+        <p:style>
+          <a:lnRef idx="2">
+            <a:schemeClr val="accent1">
+              <a:shade val="50000"/>
+            </a:schemeClr>
+          </a:lnRef>
+          <a:fillRef idx="1">
+            <a:schemeClr val="accent1"/>
+          </a:fillRef>
+          <a:effectRef idx="0">
+            <a:schemeClr val="accent1"/>
+          </a:effectRef>
+          <a:fontRef idx="minor">
+            <a:schemeClr val="lt1"/>
+          </a:fontRef>
+        </p:style>
+        <p:txBody>
+          <a:bodyPr rtlCol="0" anchor="ctr"/>
+          <a:lstStyle/>
+          <a:p>
+            <a:pPr algn="ctr"/>
+            <a:endParaRPr lang="en-US"/>
+          </a:p>
+        </p:txBody>
+      </p:sp>
+      <p:sp>
+        <p:nvSpPr>
+          <p:cNvPr id="24" name="Rectangle 23"/>
+          <p:cNvSpPr/>
+          <p:nvPr/>
+        </p:nvSpPr>
+        <p:spPr>
+          <a:xfrm>
+            <a:off x="-1" y="0"/>
+            <a:ext cx="12192000" cy="6858000"/>
+          </a:xfrm>
+          <a:prstGeom prst="rect">
+            <a:avLst/>
+          </a:prstGeom>
+          <a:solidFill>
+            <a:schemeClr val="tx1">
+              <a:alpha val="7000"/>
+            </a:schemeClr>
+          </a:solidFill>
+        </p:spPr>
+        <p:style>
+          <a:lnRef idx="2">
+            <a:schemeClr val="accent1">
+              <a:shade val="50000"/>
+            </a:schemeClr>
+          </a:lnRef>
+          <a:fillRef idx="1">
+            <a:schemeClr val="accent1"/>
+          </a:fillRef>
+          <a:effectRef idx="0">
+            <a:schemeClr val="accent1"/>
+          </a:effectRef>
+          <a:fontRef idx="minor">
+            <a:schemeClr val="lt1"/>
+          </a:fontRef>
+        </p:style>
+        <p:txBody>
+          <a:bodyPr rtlCol="0" anchor="ctr"/>
+          <a:lstStyle/>
+          <a:p>
+            <a:pPr algn="ctr"/>
+            <a:endParaRPr lang="en-US"/>
+          </a:p>
+        </p:txBody>
+      </p:sp>
+      <p:sp>
+        <p:nvSpPr>
+          <p:cNvPr id="17" name="Rectangle 16"/>
+          <p:cNvSpPr/>
+          <p:nvPr/>
+        </p:nvSpPr>
+        <p:spPr>
+          <a:xfrm>
+            <a:off x="1104900" y="1266825"/>
+            <a:ext cx="8229599" cy="5601099"/>
+          </a:xfrm>
+          <a:prstGeom prst="rect">
+            <a:avLst/>
+          </a:prstGeom>
+          <a:solidFill>
+            <a:schemeClr val="bg1">
+              <a:lumMod val="95000"/>
+            </a:schemeClr>
+          </a:solidFill>
+          <a:ln>
+            <a:noFill/>
+          </a:ln>
+        </p:spPr>
+        <p:style>
+          <a:lnRef idx="2">
+            <a:schemeClr val="accent1">
+              <a:shade val="50000"/>
+            </a:schemeClr>
+          </a:lnRef>
+          <a:fillRef idx="1">
+            <a:schemeClr val="accent1"/>
+          </a:fillRef>
+          <a:effectRef idx="0">
+            <a:schemeClr val="accent1"/>
+          </a:effectRef>
+          <a:fontRef idx="minor">
+            <a:schemeClr val="lt1"/>
+          </a:fontRef>
+        </p:style>
+        <p:txBody>
+          <a:bodyPr rtlCol="0" anchor="ctr"/>
+          <a:lstStyle/>
+          <a:p>
+            <a:pPr algn="ctr"/>
+            <a:endParaRPr lang="en-US"/>
+          </a:p>
+        </p:txBody>
+      </p:sp>
+      <p:sp>
+        <p:nvSpPr>
+          <p:cNvPr id="7" name="Content Placeholder 6"/>
+          <p:cNvSpPr>
+            <a:spLocks noGrp="1"/>
+          </p:cNvSpPr>
+          <p:nvPr>
+            <p:ph idx="1"/>
+          </p:nvPr>
+        </p:nvSpPr>
+        <p:spPr>
+          <a:xfrm>
+            <a:off x="1795537" y="4009232"/>
+            <a:ext cx="6891264" cy="1730579"/>
+          </a:xfrm>
+        </p:spPr>
+        <p:txBody>
+          <a:bodyPr>
+            <a:normAutofit fontScale="92500" lnSpcReduction="20000"/>
+          </a:bodyPr>
+          <a:lstStyle/>
+          <a:p>
+            <a:pPr marL="0" indent="0">
+              <a:lnSpc>
+                <a:spcPct val="110000"/>
+              </a:lnSpc>
+              <a:buNone/>
+            </a:pPr>
+            <a:r>
+              <a:rPr lang="en-US" sz="2400" dirty="0" smtClean="0">
+                <a:solidFill>
+                  <a:srgbClr val="3E4854"/>
+                </a:solidFill>
+              </a:rPr>
+              <a:t>The eyecup extension is made of machined acrylic</a:t>
+            </a:r>
+            <a:r>
+              <a:rPr lang="en-US" sz="2400" dirty="0">
+                <a:solidFill>
+                  <a:srgbClr val="3E4854"/>
+                </a:solidFill>
+              </a:rPr>
+              <a:t>, </a:t>
+            </a:r>
+            <a:r>
+              <a:rPr lang="en-US" sz="2400" dirty="0" smtClean="0">
+                <a:solidFill>
+                  <a:srgbClr val="3E4854"/>
+                </a:solidFill>
+              </a:rPr>
+              <a:t>the </a:t>
+            </a:r>
+            <a:r>
+              <a:rPr lang="en-US" sz="2400" dirty="0">
+                <a:solidFill>
+                  <a:srgbClr val="3E4854"/>
+                </a:solidFill>
+              </a:rPr>
+              <a:t>lightweight and shock-resistant </a:t>
+            </a:r>
+            <a:r>
+              <a:rPr lang="en-US" sz="2400" dirty="0" smtClean="0">
+                <a:solidFill>
+                  <a:srgbClr val="3E4854"/>
+                </a:solidFill>
+              </a:rPr>
+              <a:t>transparent thermoplastic homopolymer commonly referred to as “plexiglass.” The acrylic was cut to size, machined and later coated with black paint.</a:t>
+            </a:r>
+            <a:endParaRPr lang="en-US" sz="2400" dirty="0">
+              <a:solidFill>
+                <a:srgbClr val="3E4854"/>
+              </a:solidFill>
+            </a:endParaRPr>
+          </a:p>
+        </p:txBody>
+      </p:sp>
+      <p:sp>
+        <p:nvSpPr>
+          <p:cNvPr id="2" name="Title 1"/>
+          <p:cNvSpPr>
+            <a:spLocks noGrp="1"/>
+          </p:cNvSpPr>
+          <p:nvPr>
+            <p:ph type="title"/>
+          </p:nvPr>
+        </p:nvSpPr>
+        <p:spPr>
+          <a:xfrm>
+            <a:off x="1795537" y="1914245"/>
+            <a:ext cx="3414638" cy="1385904"/>
+          </a:xfrm>
+        </p:spPr>
+        <p:txBody>
+          <a:bodyPr anchor="t">
+            <a:noAutofit/>
+          </a:bodyPr>
+          <a:lstStyle/>
+          <a:p>
+            <a:r>
+              <a:rPr lang="en-US" sz="2400" dirty="0">
+                <a:solidFill>
+                  <a:srgbClr val="3E4854"/>
+                </a:solidFill>
+              </a:rPr>
+              <a:t>THE</a:t>
+            </a:r>
+            <a:r>
+              <a:rPr lang="en-US" sz="6000" dirty="0">
+                <a:solidFill>
+                  <a:srgbClr val="3E4854"/>
+                </a:solidFill>
+              </a:rPr>
+              <a:t/>
+            </a:r>
+            <a:br>
+              <a:rPr lang="en-US" sz="6000" dirty="0">
+                <a:solidFill>
+                  <a:srgbClr val="3E4854"/>
+                </a:solidFill>
+              </a:rPr>
+            </a:br>
+            <a:r>
+              <a:rPr lang="en-US" sz="6600" dirty="0" smtClean="0">
+                <a:solidFill>
+                  <a:srgbClr val="3E4854"/>
+                </a:solidFill>
+              </a:rPr>
+              <a:t>PROCESS</a:t>
+            </a:r>
+            <a:endParaRPr lang="en-US" sz="6000" dirty="0">
+              <a:solidFill>
+                <a:srgbClr val="3E4854"/>
+              </a:solidFill>
+            </a:endParaRPr>
+          </a:p>
+        </p:txBody>
+      </p:sp>
+      <p:cxnSp>
+        <p:nvCxnSpPr>
+          <p:cNvPr id="27" name="Straight Connector 26"/>
+          <p:cNvCxnSpPr/>
+          <p:nvPr/>
+        </p:nvCxnSpPr>
+        <p:spPr>
+          <a:xfrm flipV="1">
+            <a:off x="1669307" y="1998560"/>
+            <a:ext cx="0" cy="1021064"/>
+          </a:xfrm>
+          <a:prstGeom prst="line">
+            <a:avLst/>
+          </a:prstGeom>
+          <a:ln w="76200">
+            <a:solidFill>
+              <a:srgbClr val="FF4F85"/>
+            </a:solidFill>
+          </a:ln>
+        </p:spPr>
+        <p:style>
+          <a:lnRef idx="1">
+            <a:schemeClr val="accent1"/>
+          </a:lnRef>
+          <a:fillRef idx="0">
+            <a:schemeClr val="accent1"/>
+          </a:fillRef>
+          <a:effectRef idx="0">
+            <a:schemeClr val="accent1"/>
+          </a:effectRef>
+          <a:fontRef idx="minor">
+            <a:schemeClr val="tx1"/>
+          </a:fontRef>
+        </p:style>
+      </p:cxnSp>
+      <p:sp>
+        <p:nvSpPr>
+          <p:cNvPr id="28" name="AutoShape 4" descr="Image result for milling"/>
+          <p:cNvSpPr>
+            <a:spLocks noChangeAspect="1" noChangeArrowheads="1"/>
+          </p:cNvSpPr>
+          <p:nvPr/>
+        </p:nvSpPr>
+        <p:spPr bwMode="auto">
+          <a:xfrm>
+            <a:off x="63500" y="-136525"/>
+            <a:ext cx="304800" cy="304800"/>
+          </a:xfrm>
+          <a:prstGeom prst="rect">
+            <a:avLst/>
+          </a:prstGeom>
+          <a:noFill/>
+          <a:extLst>
+            <a:ext uri="{909E8E84-426E-40DD-AFC4-6F175D3DCCD1}">
+              <a14:hiddenFill xmlns:a14="http://schemas.microsoft.com/office/drawing/2010/main">
+                <a:solidFill>
+                  <a:srgbClr val="FFFFFF"/>
+                </a:solidFill>
+              </a14:hiddenFill>
+            </a:ext>
+          </a:extLst>
+        </p:spPr>
+        <p:txBody>
+          <a:bodyPr vert="horz" wrap="square" lIns="91440" tIns="45720" rIns="91440" bIns="45720" numCol="1" anchor="t" anchorCtr="0" compatLnSpc="1">
+            <a:prstTxWarp prst="textNoShape">
+              <a:avLst/>
+            </a:prstTxWarp>
+          </a:bodyPr>
+          <a:lstStyle/>
+          <a:p>
+            <a:endParaRPr lang="en-US"/>
+          </a:p>
+        </p:txBody>
+      </p:sp>
+    </p:spTree>
+    <p:extLst>
+      <p:ext uri="{BB962C8B-B14F-4D97-AF65-F5344CB8AC3E}">
+        <p14:creationId xmlns:p14="http://schemas.microsoft.com/office/powerpoint/2010/main" val="3881686338"/>
+      </p:ext>
+    </p:extLst>
+  </p:cSld>
+  <p:clrMapOvr>
+    <a:masterClrMapping/>
+  </p:clrMapOvr>
+  <p:timing>
+    <p:tnLst>
+      <p:par>
+        <p:cTn id="1" dur="indefinite" restart="never" nodeType="tmRoot"/>
+      </p:par>
+    </p:tnLst>
+  </p:timing>
+</p:sld>
+</file>
+
+<file path=ppt/slides/slide6.xml><?xml version="1.0" encoding="utf-8"?>
+<p:sld xmlns:a="http://schemas.openxmlformats.org/drawingml/2006/main" xmlns:r="http://schemas.openxmlformats.org/officeDocument/2006/relationships" xmlns:p="http://schemas.openxmlformats.org/presentationml/2006/main">
+  <p:cSld>
+    <p:bg>
+      <p:bgPr>
+        <a:solidFill>
           <a:schemeClr val="bg1">
             <a:lumMod val="95000"/>
           </a:schemeClr>
@@ -4435,8 +4908,8 @@
         </p:nvSpPr>
         <p:spPr>
           <a:xfrm>
-            <a:off x="1628775" y="4907902"/>
-            <a:ext cx="8934450" cy="1390358"/>
+            <a:off x="1628775" y="4953000"/>
+            <a:ext cx="8934450" cy="1345260"/>
           </a:xfrm>
         </p:spPr>
         <p:txBody>
@@ -4454,7 +4927,27 @@
                   </a:schemeClr>
                 </a:solidFill>
               </a:rPr>
-              <a:t>MECHANICAL &amp; VISUAL DESIGN</a:t>
+              <a:t>VISUAL </a:t>
+            </a:r>
+            <a:r>
+              <a:rPr lang="en-US" dirty="0" smtClean="0">
+                <a:solidFill>
+                  <a:schemeClr val="bg1">
+                    <a:lumMod val="85000"/>
+                  </a:schemeClr>
+                </a:solidFill>
+              </a:rPr>
+              <a:t>&amp; </a:t>
+            </a:r>
+            <a:r>
+              <a:rPr lang="en-US" dirty="0" smtClean="0">
+                <a:solidFill>
+                  <a:schemeClr val="bg1">
+                    <a:lumMod val="85000"/>
+                  </a:schemeClr>
+                </a:solidFill>
+              </a:rPr>
+              <a:t>MECHANICAL DESIGN</a:t>
             </a:r>
             <a:endParaRPr lang="en-US" dirty="0">
               <a:solidFill>
@@ -4475,9 +4968,9 @@
         <p:grpSpPr>
           <a:xfrm>
             <a:off x="5091162" y="1005454"/>
-            <a:ext cx="2185938" cy="2081161"/>
+            <a:ext cx="2138313" cy="2081161"/>
             <a:chOff x="5091162" y="988965"/>
-            <a:chExt cx="2185938" cy="2081161"/>
+            <a:chExt cx="2138313" cy="2081161"/>
           </a:xfrm>
         </p:grpSpPr>
         <p:pic>
@@ -4576,7 +5069,7 @@
           </p:nvSpPr>
           <p:spPr>
             <a:xfrm>
-              <a:off x="5272138" y="1065166"/>
+              <a:off x="5224513" y="1065166"/>
               <a:ext cx="2004962" cy="2004960"/>
             </a:xfrm>
             <a:prstGeom prst="ellipse">
